--- a/ppt/angular/Angular02-Install.pptx
+++ b/ppt/angular/Angular02-Install.pptx
@@ -5,17 +5,19 @@
     <p:sldMasterId id="2147483653" r:id="rId1"/>
   </p:sldMasterIdLst>
   <p:notesMasterIdLst>
-    <p:notesMasterId r:id="rId7"/>
+    <p:notesMasterId r:id="rId9"/>
   </p:notesMasterIdLst>
   <p:handoutMasterIdLst>
-    <p:handoutMasterId r:id="rId8"/>
+    <p:handoutMasterId r:id="rId10"/>
   </p:handoutMasterIdLst>
   <p:sldIdLst>
     <p:sldId id="264" r:id="rId2"/>
     <p:sldId id="266" r:id="rId3"/>
     <p:sldId id="314" r:id="rId4"/>
     <p:sldId id="315" r:id="rId5"/>
-    <p:sldId id="316" r:id="rId6"/>
+    <p:sldId id="317" r:id="rId6"/>
+    <p:sldId id="316" r:id="rId7"/>
+    <p:sldId id="318" r:id="rId8"/>
   </p:sldIdLst>
   <p:sldSz cx="9144000" cy="6858000" type="screen4x3"/>
   <p:notesSz cx="6648450" cy="9782175"/>
@@ -2906,10 +2908,6 @@
             <a:r>
               <a:rPr lang="fr-FR" sz="1600" dirty="0" err="1" smtClean="0"/>
               <a:t>Angular</a:t>
-            </a:r>
-            <a:r>
-              <a:rPr lang="fr-FR" sz="1600" baseline="0" dirty="0" smtClean="0"/>
-              <a:t> 2</a:t>
             </a:r>
             <a:endParaRPr lang="fr-FR" dirty="0" smtClean="0">
               <a:latin typeface="Times New Roman" pitchFamily="18" charset="0"/>
@@ -3697,13 +3695,8 @@
             <a:pPr eaLnBrk="1" hangingPunct="1"/>
             <a:r>
               <a:rPr lang="fr-FR" altLang="fr-FR" dirty="0" smtClean="0"/>
-              <a:t>Chapitre </a:t>
-            </a:r>
-            <a:r>
-              <a:rPr lang="fr-FR" altLang="fr-FR" dirty="0" smtClean="0"/>
-              <a:t>2</a:t>
-            </a:r>
-            <a:endParaRPr lang="fr-FR" altLang="fr-FR" dirty="0" smtClean="0"/>
+              <a:t>Chapitre 2</a:t>
+            </a:r>
           </a:p>
           <a:p>
             <a:pPr eaLnBrk="1" hangingPunct="1"/>
@@ -3711,7 +3704,6 @@
               <a:rPr lang="fr-FR" altLang="fr-FR" dirty="0" smtClean="0"/>
               <a:t>Install</a:t>
             </a:r>
-            <a:endParaRPr lang="fr-FR" altLang="fr-FR" dirty="0" smtClean="0"/>
           </a:p>
         </p:txBody>
       </p:sp>
@@ -3934,10 +3926,7 @@
               <a:rPr lang="fr-FR" altLang="fr-FR" sz="4000" kern="0" dirty="0" err="1" smtClean="0"/>
               <a:t>ngular</a:t>
             </a:r>
-            <a:r>
-              <a:rPr lang="fr-FR" altLang="fr-FR" sz="4000" kern="0" dirty="0" smtClean="0"/>
-              <a:t> 2</a:t>
-            </a:r>
+            <a:endParaRPr lang="fr-FR" altLang="fr-FR" sz="4000" kern="0" dirty="0" smtClean="0"/>
           </a:p>
         </p:txBody>
       </p:sp>
@@ -3997,7 +3986,6 @@
               <a:rPr lang="fr-FR" altLang="fr-FR" dirty="0" smtClean="0"/>
               <a:t>Node.js</a:t>
             </a:r>
-            <a:endParaRPr lang="fr-FR" altLang="fr-FR" dirty="0" smtClean="0"/>
           </a:p>
         </p:txBody>
       </p:sp>
@@ -4199,12 +4187,8 @@
               <a:t>fonctionne avec un </a:t>
             </a:r>
             <a:r>
-              <a:rPr lang="fr-FR" dirty="0" err="1" smtClean="0"/>
-              <a:t>CLIet</a:t>
-            </a:r>
-            <a:r>
               <a:rPr lang="fr-FR" dirty="0" smtClean="0"/>
-              <a:t> </a:t>
+              <a:t>CLI et </a:t>
             </a:r>
             <a:r>
               <a:rPr lang="fr-FR" dirty="0"/>
@@ -4283,6 +4267,13 @@
   <p:clrMapOvr>
     <a:masterClrMapping/>
   </p:clrMapOvr>
+  <p:timing>
+    <p:tnLst>
+      <p:par>
+        <p:cTn id="1" dur="indefinite" restart="never" nodeType="tmRoot"/>
+      </p:par>
+    </p:tnLst>
+  </p:timing>
 </p:sld>
 </file>
 
@@ -4349,6 +4340,109 @@
           <a:p>
             <a:pPr lvl="1"/>
             <a:r>
+              <a:rPr lang="fr-FR" dirty="0" err="1"/>
+              <a:t>npm</a:t>
+            </a:r>
+            <a:r>
+              <a:rPr lang="fr-FR" dirty="0"/>
+              <a:t> </a:t>
+            </a:r>
+            <a:r>
+              <a:rPr lang="fr-FR" dirty="0" err="1"/>
+              <a:t>install</a:t>
+            </a:r>
+            <a:r>
+              <a:rPr lang="fr-FR" dirty="0"/>
+              <a:t> -g @</a:t>
+            </a:r>
+            <a:r>
+              <a:rPr lang="fr-FR" dirty="0" err="1" smtClean="0"/>
+              <a:t>angular</a:t>
+            </a:r>
+            <a:r>
+              <a:rPr lang="fr-FR" dirty="0" smtClean="0"/>
+              <a:t>/cli</a:t>
+            </a:r>
+          </a:p>
+          <a:p>
+            <a:pPr lvl="1"/>
+            <a:r>
+              <a:rPr lang="fr-FR" dirty="0" smtClean="0"/>
+              <a:t>-</a:t>
+            </a:r>
+            <a:r>
+              <a:rPr lang="fr-FR" dirty="0"/>
+              <a:t>g </a:t>
+            </a:r>
+            <a:r>
+              <a:rPr lang="fr-FR" dirty="0" smtClean="0"/>
+              <a:t>permet de rendre l’installation globale</a:t>
+            </a:r>
+          </a:p>
+          <a:p>
+            <a:pPr lvl="1"/>
+            <a:r>
+              <a:rPr lang="fr-FR" dirty="0" err="1"/>
+              <a:t>n</a:t>
+            </a:r>
+            <a:r>
+              <a:rPr lang="fr-FR" dirty="0" err="1" smtClean="0"/>
+              <a:t>pm</a:t>
+            </a:r>
+            <a:r>
+              <a:rPr lang="fr-FR" dirty="0" smtClean="0"/>
+              <a:t> </a:t>
+            </a:r>
+            <a:r>
+              <a:rPr lang="fr-FR" dirty="0" err="1" smtClean="0"/>
+              <a:t>install</a:t>
+            </a:r>
+            <a:r>
+              <a:rPr lang="fr-FR" dirty="0"/>
+              <a:t> </a:t>
+            </a:r>
+            <a:r>
+              <a:rPr lang="fr-FR" dirty="0" err="1" smtClean="0"/>
+              <a:t>angular-quickstart</a:t>
+            </a:r>
+            <a:endParaRPr lang="fr-FR" dirty="0" smtClean="0"/>
+          </a:p>
+          <a:p>
+            <a:r>
+              <a:rPr lang="fr-FR" dirty="0" smtClean="0"/>
+              <a:t>Par CLI </a:t>
+            </a:r>
+            <a:r>
+              <a:rPr lang="fr-FR" dirty="0" err="1" smtClean="0"/>
+              <a:t>package.json</a:t>
+            </a:r>
+            <a:endParaRPr lang="fr-FR" dirty="0" smtClean="0"/>
+          </a:p>
+          <a:p>
+            <a:pPr lvl="1"/>
+            <a:r>
+              <a:rPr lang="fr-FR" dirty="0" smtClean="0"/>
+              <a:t>Pour les installations complexes</a:t>
+            </a:r>
+          </a:p>
+          <a:p>
+            <a:pPr lvl="1"/>
+            <a:r>
+              <a:rPr lang="fr-FR" dirty="0" err="1" smtClean="0"/>
+              <a:t>tsconfig.json</a:t>
+            </a:r>
+            <a:r>
+              <a:rPr lang="fr-FR" dirty="0" smtClean="0"/>
+              <a:t> </a:t>
+            </a:r>
+            <a:r>
+              <a:rPr lang="fr-FR" dirty="0" smtClean="0"/>
+              <a:t>est nécessaire</a:t>
+            </a:r>
+          </a:p>
+          <a:p>
+            <a:pPr lvl="1"/>
+            <a:r>
               <a:rPr lang="fr-FR" dirty="0" err="1" smtClean="0"/>
               <a:t>Npm</a:t>
             </a:r>
@@ -4365,115 +4459,8 @@
               <a:t> </a:t>
             </a:r>
             <a:r>
-              <a:rPr lang="fr-FR" dirty="0" err="1" smtClean="0"/>
-              <a:t>cordova</a:t>
-            </a:r>
-            <a:endParaRPr lang="fr-FR" dirty="0" smtClean="0"/>
-          </a:p>
-          <a:p>
-            <a:pPr lvl="1"/>
-            <a:r>
               <a:rPr lang="fr-FR" dirty="0" smtClean="0"/>
-              <a:t>-g permet de rendre l’installation globale</a:t>
-            </a:r>
-          </a:p>
-          <a:p>
-            <a:pPr lvl="1"/>
-            <a:r>
-              <a:rPr lang="fr-FR" dirty="0" err="1" smtClean="0"/>
-              <a:t>Npm</a:t>
-            </a:r>
-            <a:r>
-              <a:rPr lang="fr-FR" dirty="0" smtClean="0"/>
-              <a:t> </a:t>
-            </a:r>
-            <a:r>
-              <a:rPr lang="fr-FR" dirty="0" err="1" smtClean="0"/>
-              <a:t>install</a:t>
-            </a:r>
-            <a:r>
-              <a:rPr lang="fr-FR" dirty="0"/>
-              <a:t> –g </a:t>
-            </a:r>
-            <a:r>
-              <a:rPr lang="fr-FR" dirty="0" err="1" smtClean="0"/>
-              <a:t>angular-quickstart</a:t>
-            </a:r>
-            <a:endParaRPr lang="fr-FR" dirty="0" smtClean="0"/>
-          </a:p>
-          <a:p>
-            <a:r>
-              <a:rPr lang="fr-FR" dirty="0" smtClean="0"/>
-              <a:t>Par CLI </a:t>
-            </a:r>
-            <a:r>
-              <a:rPr lang="fr-FR" dirty="0" err="1" smtClean="0"/>
-              <a:t>package.json</a:t>
-            </a:r>
-            <a:endParaRPr lang="fr-FR" dirty="0" smtClean="0"/>
-          </a:p>
-          <a:p>
-            <a:pPr lvl="1"/>
-            <a:r>
-              <a:rPr lang="fr-FR" dirty="0" smtClean="0"/>
-              <a:t>Pour les installations complexes</a:t>
-            </a:r>
-          </a:p>
-          <a:p>
-            <a:pPr lvl="1"/>
-            <a:r>
-              <a:rPr lang="fr-FR" dirty="0" smtClean="0"/>
-              <a:t>Si TS </a:t>
-            </a:r>
-            <a:r>
-              <a:rPr lang="fr-FR" dirty="0" err="1" smtClean="0"/>
-              <a:t>tsconfig.json</a:t>
-            </a:r>
-            <a:r>
-              <a:rPr lang="fr-FR" dirty="0" smtClean="0"/>
-              <a:t> est nécessaire</a:t>
-            </a:r>
-          </a:p>
-          <a:p>
-            <a:pPr lvl="1"/>
-            <a:r>
-              <a:rPr lang="fr-FR" dirty="0" smtClean="0"/>
-              <a:t>Si </a:t>
-            </a:r>
-            <a:r>
-              <a:rPr lang="fr-FR" dirty="0" err="1" smtClean="0"/>
-              <a:t>SystemJS</a:t>
-            </a:r>
-            <a:r>
-              <a:rPr lang="fr-FR" dirty="0" smtClean="0"/>
-              <a:t> </a:t>
-            </a:r>
-            <a:r>
-              <a:rPr lang="fr-FR" dirty="0" err="1" smtClean="0"/>
-              <a:t>systemjs.config.json</a:t>
-            </a:r>
-            <a:r>
-              <a:rPr lang="fr-FR" dirty="0" smtClean="0"/>
-              <a:t> nécessaire</a:t>
-            </a:r>
-          </a:p>
-          <a:p>
-            <a:pPr lvl="1"/>
-            <a:r>
-              <a:rPr lang="fr-FR" dirty="0" err="1" smtClean="0"/>
-              <a:t>Npm</a:t>
-            </a:r>
-            <a:r>
-              <a:rPr lang="fr-FR" dirty="0" smtClean="0"/>
-              <a:t> </a:t>
-            </a:r>
-            <a:r>
-              <a:rPr lang="fr-FR" dirty="0" err="1" smtClean="0"/>
-              <a:t>install</a:t>
-            </a:r>
-            <a:r>
-              <a:rPr lang="fr-FR" dirty="0" smtClean="0"/>
-              <a:t> suffit</a:t>
+              <a:t>suffit	</a:t>
             </a:r>
           </a:p>
           <a:p>
@@ -4491,6 +4478,13 @@
   <p:clrMapOvr>
     <a:masterClrMapping/>
   </p:clrMapOvr>
+  <p:timing>
+    <p:tnLst>
+      <p:par>
+        <p:cTn id="1" dur="indefinite" restart="never" nodeType="tmRoot"/>
+      </p:par>
+    </p:tnLst>
+  </p:timing>
 </p:sld>
 </file>
 
@@ -4528,7 +4522,15 @@
           <a:p>
             <a:r>
               <a:rPr lang="fr-FR" dirty="0" smtClean="0"/>
-              <a:t>Démarrage</a:t>
+              <a:t>Cr</a:t>
+            </a:r>
+            <a:r>
+              <a:rPr lang="fr-FR" dirty="0"/>
+              <a:t>é</a:t>
+            </a:r>
+            <a:r>
+              <a:rPr lang="fr-FR" dirty="0" smtClean="0"/>
+              <a:t>ation de l’application</a:t>
             </a:r>
             <a:endParaRPr lang="fr-FR" dirty="0"/>
           </a:p>
@@ -4550,6 +4552,154 @@
           <a:lstStyle/>
           <a:p>
             <a:r>
+              <a:rPr lang="fr-FR" dirty="0" err="1" smtClean="0"/>
+              <a:t>Ng</a:t>
+            </a:r>
+            <a:endParaRPr lang="fr-FR" dirty="0" smtClean="0"/>
+          </a:p>
+          <a:p>
+            <a:pPr lvl="1"/>
+            <a:r>
+              <a:rPr lang="fr-FR" dirty="0" smtClean="0"/>
+              <a:t>Outil CLI pour manipuler </a:t>
+            </a:r>
+            <a:r>
+              <a:rPr lang="fr-FR" dirty="0" err="1" smtClean="0"/>
+              <a:t>Angular</a:t>
+            </a:r>
+            <a:r>
+              <a:rPr lang="fr-FR" dirty="0" smtClean="0"/>
+              <a:t> CLI</a:t>
+            </a:r>
+          </a:p>
+          <a:p>
+            <a:pPr lvl="1"/>
+            <a:r>
+              <a:rPr lang="fr-FR" dirty="0" err="1"/>
+              <a:t>n</a:t>
+            </a:r>
+            <a:r>
+              <a:rPr lang="fr-FR" dirty="0" err="1" smtClean="0"/>
+              <a:t>g</a:t>
+            </a:r>
+            <a:r>
+              <a:rPr lang="fr-FR" dirty="0" smtClean="0"/>
+              <a:t> version</a:t>
+            </a:r>
+          </a:p>
+          <a:p>
+            <a:pPr lvl="1"/>
+            <a:r>
+              <a:rPr lang="fr-FR" dirty="0" err="1"/>
+              <a:t>ng</a:t>
+            </a:r>
+            <a:r>
+              <a:rPr lang="fr-FR" dirty="0"/>
+              <a:t> new </a:t>
+            </a:r>
+            <a:r>
+              <a:rPr lang="fr-FR" dirty="0" err="1" smtClean="0"/>
+              <a:t>angular</a:t>
+            </a:r>
+            <a:r>
+              <a:rPr lang="fr-FR" dirty="0" smtClean="0"/>
+              <a:t>-tour-of-</a:t>
+            </a:r>
+            <a:r>
+              <a:rPr lang="fr-FR" dirty="0" err="1" smtClean="0"/>
+              <a:t>heroes</a:t>
+            </a:r>
+            <a:endParaRPr lang="fr-FR" dirty="0" smtClean="0"/>
+          </a:p>
+          <a:p>
+            <a:pPr lvl="1"/>
+            <a:r>
+              <a:rPr lang="fr-FR" dirty="0" smtClean="0"/>
+              <a:t>Vous pouvez voir apparaitre les différents types de fichiers et leurs dépendances</a:t>
+            </a:r>
+          </a:p>
+          <a:p>
+            <a:pPr lvl="1"/>
+            <a:endParaRPr lang="fr-FR" dirty="0"/>
+          </a:p>
+        </p:txBody>
+      </p:sp>
+    </p:spTree>
+    <p:extLst>
+      <p:ext uri="{BB962C8B-B14F-4D97-AF65-F5344CB8AC3E}">
+        <p14:creationId xmlns:p14="http://schemas.microsoft.com/office/powerpoint/2010/main" val="400735136"/>
+      </p:ext>
+    </p:extLst>
+  </p:cSld>
+  <p:clrMapOvr>
+    <a:masterClrMapping/>
+  </p:clrMapOvr>
+  <p:timing>
+    <p:tnLst>
+      <p:par>
+        <p:cTn id="1" dur="indefinite" restart="never" nodeType="tmRoot"/>
+      </p:par>
+    </p:tnLst>
+  </p:timing>
+</p:sld>
+</file>
+
+<file path=ppt/slides/slide6.xml><?xml version="1.0" encoding="utf-8"?>
+<p:sld xmlns:a="http://schemas.openxmlformats.org/drawingml/2006/main" xmlns:r="http://schemas.openxmlformats.org/officeDocument/2006/relationships" xmlns:p="http://schemas.openxmlformats.org/presentationml/2006/main">
+  <p:cSld>
+    <p:spTree>
+      <p:nvGrpSpPr>
+        <p:cNvPr id="1" name=""/>
+        <p:cNvGrpSpPr/>
+        <p:nvPr/>
+      </p:nvGrpSpPr>
+      <p:grpSpPr>
+        <a:xfrm>
+          <a:off x="0" y="0"/>
+          <a:ext cx="0" cy="0"/>
+          <a:chOff x="0" y="0"/>
+          <a:chExt cx="0" cy="0"/>
+        </a:xfrm>
+      </p:grpSpPr>
+      <p:sp>
+        <p:nvSpPr>
+          <p:cNvPr id="2" name="Titre 1"/>
+          <p:cNvSpPr>
+            <a:spLocks noGrp="1"/>
+          </p:cNvSpPr>
+          <p:nvPr>
+            <p:ph type="title"/>
+          </p:nvPr>
+        </p:nvSpPr>
+        <p:spPr/>
+        <p:txBody>
+          <a:bodyPr/>
+          <a:lstStyle/>
+          <a:p>
+            <a:r>
+              <a:rPr lang="fr-FR" dirty="0" smtClean="0"/>
+              <a:t>Démarrage</a:t>
+            </a:r>
+            <a:endParaRPr lang="fr-FR" dirty="0"/>
+          </a:p>
+        </p:txBody>
+      </p:sp>
+      <p:sp>
+        <p:nvSpPr>
+          <p:cNvPr id="3" name="Espace réservé du contenu 2"/>
+          <p:cNvSpPr>
+            <a:spLocks noGrp="1"/>
+          </p:cNvSpPr>
+          <p:nvPr>
+            <p:ph idx="1"/>
+          </p:nvPr>
+        </p:nvSpPr>
+        <p:spPr/>
+        <p:txBody>
+          <a:bodyPr/>
+          <a:lstStyle/>
+          <a:p>
+            <a:r>
               <a:rPr lang="fr-FR" dirty="0" smtClean="0"/>
               <a:t>Démarrage de l’application</a:t>
             </a:r>
@@ -4582,18 +4732,38 @@
           <a:p>
             <a:pPr lvl="1"/>
             <a:r>
-              <a:rPr lang="fr-FR" dirty="0" err="1" smtClean="0"/>
-              <a:t>Npm</a:t>
+              <a:rPr lang="fr-FR" dirty="0" err="1"/>
+              <a:t>ng</a:t>
+            </a:r>
+            <a:r>
+              <a:rPr lang="fr-FR" dirty="0"/>
+              <a:t> </a:t>
             </a:r>
             <a:r>
               <a:rPr lang="fr-FR" dirty="0" smtClean="0"/>
-              <a:t> </a:t>
-            </a:r>
-            <a:r>
-              <a:rPr lang="fr-FR" dirty="0" err="1" smtClean="0"/>
-              <a:t>start</a:t>
-            </a:r>
-            <a:endParaRPr lang="fr-FR" dirty="0"/>
+              <a:t>serve --open</a:t>
+            </a:r>
+          </a:p>
+          <a:p>
+            <a:pPr lvl="2"/>
+            <a:r>
+              <a:rPr lang="fr-FR" dirty="0" smtClean="0"/>
+              <a:t>depuis le dossier de votre projet</a:t>
+            </a:r>
+          </a:p>
+          <a:p>
+            <a:pPr lvl="1"/>
+            <a:r>
+              <a:rPr lang="fr-FR" dirty="0" smtClean="0"/>
+              <a:t>--open démarre la navigateur</a:t>
+            </a:r>
+          </a:p>
+          <a:p>
+            <a:pPr lvl="1"/>
+            <a:r>
+              <a:rPr lang="fr-FR" dirty="0" smtClean="0"/>
+              <a:t>Port 4200 par défaut</a:t>
+            </a:r>
           </a:p>
         </p:txBody>
       </p:sp>
@@ -4607,6 +4777,212 @@
   <p:clrMapOvr>
     <a:masterClrMapping/>
   </p:clrMapOvr>
+  <p:timing>
+    <p:tnLst>
+      <p:par>
+        <p:cTn id="1" dur="indefinite" restart="never" nodeType="tmRoot"/>
+      </p:par>
+    </p:tnLst>
+  </p:timing>
+</p:sld>
+</file>
+
+<file path=ppt/slides/slide7.xml><?xml version="1.0" encoding="utf-8"?>
+<p:sld xmlns:a="http://schemas.openxmlformats.org/drawingml/2006/main" xmlns:r="http://schemas.openxmlformats.org/officeDocument/2006/relationships" xmlns:p="http://schemas.openxmlformats.org/presentationml/2006/main">
+  <p:cSld>
+    <p:spTree>
+      <p:nvGrpSpPr>
+        <p:cNvPr id="1" name=""/>
+        <p:cNvGrpSpPr/>
+        <p:nvPr/>
+      </p:nvGrpSpPr>
+      <p:grpSpPr>
+        <a:xfrm>
+          <a:off x="0" y="0"/>
+          <a:ext cx="0" cy="0"/>
+          <a:chOff x="0" y="0"/>
+          <a:chExt cx="0" cy="0"/>
+        </a:xfrm>
+      </p:grpSpPr>
+      <p:sp>
+        <p:nvSpPr>
+          <p:cNvPr id="2" name="Titre 1"/>
+          <p:cNvSpPr>
+            <a:spLocks noGrp="1"/>
+          </p:cNvSpPr>
+          <p:nvPr>
+            <p:ph type="title"/>
+          </p:nvPr>
+        </p:nvSpPr>
+        <p:spPr/>
+        <p:txBody>
+          <a:bodyPr/>
+          <a:lstStyle/>
+          <a:p>
+            <a:r>
+              <a:rPr lang="fr-FR" dirty="0" err="1" smtClean="0"/>
+              <a:t>Build</a:t>
+            </a:r>
+            <a:endParaRPr lang="fr-FR" dirty="0"/>
+          </a:p>
+        </p:txBody>
+      </p:sp>
+      <p:sp>
+        <p:nvSpPr>
+          <p:cNvPr id="3" name="Espace réservé du contenu 2"/>
+          <p:cNvSpPr>
+            <a:spLocks noGrp="1"/>
+          </p:cNvSpPr>
+          <p:nvPr>
+            <p:ph idx="1"/>
+          </p:nvPr>
+        </p:nvSpPr>
+        <p:spPr/>
+        <p:txBody>
+          <a:bodyPr/>
+          <a:lstStyle/>
+          <a:p>
+            <a:r>
+              <a:rPr lang="fr-FR" dirty="0"/>
+              <a:t>Génération coté serveur</a:t>
+            </a:r>
+          </a:p>
+          <a:p>
+            <a:r>
+              <a:rPr lang="fr-FR" dirty="0" err="1"/>
+              <a:t>Ng</a:t>
+            </a:r>
+            <a:r>
+              <a:rPr lang="fr-FR" dirty="0"/>
+              <a:t> </a:t>
+            </a:r>
+            <a:r>
+              <a:rPr lang="fr-FR" dirty="0" err="1"/>
+              <a:t>build</a:t>
+            </a:r>
+            <a:endParaRPr lang="fr-FR" dirty="0"/>
+          </a:p>
+          <a:p>
+            <a:r>
+              <a:rPr lang="fr-FR" dirty="0" err="1"/>
+              <a:t>Transpile</a:t>
+            </a:r>
+            <a:r>
+              <a:rPr lang="fr-FR" dirty="0"/>
+              <a:t> dans /</a:t>
+            </a:r>
+            <a:r>
+              <a:rPr lang="fr-FR" dirty="0" err="1" smtClean="0"/>
+              <a:t>dist</a:t>
+            </a:r>
+            <a:endParaRPr lang="fr-FR" dirty="0" smtClean="0"/>
+          </a:p>
+          <a:p>
+            <a:pPr lvl="1"/>
+            <a:r>
+              <a:rPr lang="fr-FR" dirty="0" smtClean="0"/>
+              <a:t>--output-</a:t>
+            </a:r>
+            <a:r>
+              <a:rPr lang="fr-FR" dirty="0" err="1" smtClean="0"/>
+              <a:t>path</a:t>
+            </a:r>
+            <a:r>
+              <a:rPr lang="fr-FR" dirty="0" smtClean="0"/>
+              <a:t> change ce répertoire</a:t>
+            </a:r>
+          </a:p>
+          <a:p>
+            <a:r>
+              <a:rPr lang="fr-FR" dirty="0" smtClean="0"/>
+              <a:t>--</a:t>
+            </a:r>
+            <a:r>
+              <a:rPr lang="fr-FR" dirty="0" err="1" smtClean="0"/>
+              <a:t>prod</a:t>
+            </a:r>
+            <a:r>
+              <a:rPr lang="fr-FR" dirty="0" smtClean="0"/>
+              <a:t> </a:t>
+            </a:r>
+            <a:r>
+              <a:rPr lang="fr-FR" dirty="0" err="1" smtClean="0"/>
+              <a:t>uglify</a:t>
+            </a:r>
+            <a:r>
+              <a:rPr lang="fr-FR" dirty="0" smtClean="0"/>
+              <a:t> et </a:t>
+            </a:r>
+            <a:r>
+              <a:rPr lang="fr-FR" dirty="0" err="1" smtClean="0"/>
+              <a:t>minimize</a:t>
+            </a:r>
+            <a:r>
+              <a:rPr lang="fr-FR" dirty="0" smtClean="0"/>
+              <a:t> les fichiers </a:t>
+            </a:r>
+          </a:p>
+          <a:p>
+            <a:r>
+              <a:rPr lang="fr-FR" dirty="0" smtClean="0"/>
+              <a:t>-- base-</a:t>
+            </a:r>
+            <a:r>
+              <a:rPr lang="fr-FR" dirty="0" err="1" smtClean="0"/>
+              <a:t>href</a:t>
+            </a:r>
+            <a:r>
+              <a:rPr lang="fr-FR" dirty="0" smtClean="0"/>
+              <a:t> signifie l’url de base du futur site</a:t>
+            </a:r>
+          </a:p>
+          <a:p>
+            <a:pPr lvl="1"/>
+            <a:r>
+              <a:rPr lang="fr-FR" dirty="0" smtClean="0"/>
+              <a:t>Par exemple –base-</a:t>
+            </a:r>
+            <a:r>
+              <a:rPr lang="fr-FR" dirty="0" err="1" smtClean="0"/>
+              <a:t>href</a:t>
+            </a:r>
+            <a:r>
+              <a:rPr lang="fr-FR" dirty="0"/>
+              <a:t> </a:t>
+            </a:r>
+            <a:r>
+              <a:rPr lang="fr-FR" dirty="0" smtClean="0"/>
+              <a:t>/ signifie que le site sera </a:t>
+            </a:r>
+            <a:r>
+              <a:rPr lang="fr-FR" dirty="0" err="1" smtClean="0"/>
+              <a:t>accéssible</a:t>
+            </a:r>
+            <a:r>
+              <a:rPr lang="fr-FR" dirty="0" smtClean="0"/>
+              <a:t> directement depuis /</a:t>
+            </a:r>
+            <a:endParaRPr lang="fr-FR" dirty="0"/>
+          </a:p>
+        </p:txBody>
+      </p:sp>
+    </p:spTree>
+    <p:extLst>
+      <p:ext uri="{BB962C8B-B14F-4D97-AF65-F5344CB8AC3E}">
+        <p14:creationId xmlns:p14="http://schemas.microsoft.com/office/powerpoint/2010/main" val="191990745"/>
+      </p:ext>
+    </p:extLst>
+  </p:cSld>
+  <p:clrMapOvr>
+    <a:masterClrMapping/>
+  </p:clrMapOvr>
+  <p:timing>
+    <p:tnLst>
+      <p:par>
+        <p:cTn id="1" dur="indefinite" restart="never" nodeType="tmRoot"/>
+      </p:par>
+    </p:tnLst>
+  </p:timing>
 </p:sld>
 </file>
 
